--- a/Präsentation.pptx
+++ b/Präsentation.pptx
@@ -9,14 +9,16 @@
     <p:sldId id="257" r:id="rId3"/>
     <p:sldId id="258" r:id="rId4"/>
     <p:sldId id="259" r:id="rId5"/>
-    <p:sldId id="260" r:id="rId6"/>
-    <p:sldId id="261" r:id="rId7"/>
-    <p:sldId id="262" r:id="rId8"/>
-    <p:sldId id="263" r:id="rId9"/>
-    <p:sldId id="264" r:id="rId10"/>
-    <p:sldId id="267" r:id="rId11"/>
-    <p:sldId id="265" r:id="rId12"/>
-    <p:sldId id="266" r:id="rId13"/>
+    <p:sldId id="268" r:id="rId6"/>
+    <p:sldId id="260" r:id="rId7"/>
+    <p:sldId id="261" r:id="rId8"/>
+    <p:sldId id="262" r:id="rId9"/>
+    <p:sldId id="263" r:id="rId10"/>
+    <p:sldId id="264" r:id="rId11"/>
+    <p:sldId id="267" r:id="rId12"/>
+    <p:sldId id="269" r:id="rId13"/>
+    <p:sldId id="265" r:id="rId14"/>
+    <p:sldId id="266" r:id="rId15"/>
   </p:sldIdLst>
   <p:sldSz cx="12192000" cy="6858000"/>
   <p:notesSz cx="6858000" cy="9144000"/>
@@ -115,6 +117,11 @@
       </a:defRPr>
     </a:lvl9pPr>
   </p:defaultTextStyle>
+  <p:extLst>
+    <p:ext uri="{EFAFB233-063F-42B5-8137-9DF3F51BA10A}">
+      <p15:sldGuideLst xmlns:p15="http://schemas.microsoft.com/office/powerpoint/2012/main"/>
+    </p:ext>
+  </p:extLst>
 </p:presentation>
 </file>
 
@@ -363,7 +370,7 @@
           <a:p>
             <a:fld id="{68F78E07-1C9B-4126-A4D9-8EA56F38A46B}" type="datetimeFigureOut">
               <a:rPr lang="de-AT" smtClean="0"/>
-              <a:t>04.01.2015</a:t>
+              <a:t>09.01.2015</a:t>
             </a:fld>
             <a:endParaRPr lang="de-AT"/>
           </a:p>
@@ -625,7 +632,7 @@
           <a:p>
             <a:fld id="{68F78E07-1C9B-4126-A4D9-8EA56F38A46B}" type="datetimeFigureOut">
               <a:rPr lang="de-AT" smtClean="0"/>
-              <a:t>04.01.2015</a:t>
+              <a:t>09.01.2015</a:t>
             </a:fld>
             <a:endParaRPr lang="de-AT"/>
           </a:p>
@@ -860,7 +867,7 @@
           <a:p>
             <a:fld id="{68F78E07-1C9B-4126-A4D9-8EA56F38A46B}" type="datetimeFigureOut">
               <a:rPr lang="de-AT" smtClean="0"/>
-              <a:t>04.01.2015</a:t>
+              <a:t>09.01.2015</a:t>
             </a:fld>
             <a:endParaRPr lang="de-AT"/>
           </a:p>
@@ -1100,7 +1107,7 @@
           <a:p>
             <a:fld id="{68F78E07-1C9B-4126-A4D9-8EA56F38A46B}" type="datetimeFigureOut">
               <a:rPr lang="de-AT" smtClean="0"/>
-              <a:t>04.01.2015</a:t>
+              <a:t>09.01.2015</a:t>
             </a:fld>
             <a:endParaRPr lang="de-AT"/>
           </a:p>
@@ -1407,7 +1414,7 @@
           <a:p>
             <a:fld id="{68F78E07-1C9B-4126-A4D9-8EA56F38A46B}" type="datetimeFigureOut">
               <a:rPr lang="de-AT" smtClean="0"/>
-              <a:t>04.01.2015</a:t>
+              <a:t>09.01.2015</a:t>
             </a:fld>
             <a:endParaRPr lang="de-AT"/>
           </a:p>
@@ -1709,7 +1716,7 @@
           <a:p>
             <a:fld id="{68F78E07-1C9B-4126-A4D9-8EA56F38A46B}" type="datetimeFigureOut">
               <a:rPr lang="de-AT" smtClean="0"/>
-              <a:t>04.01.2015</a:t>
+              <a:t>09.01.2015</a:t>
             </a:fld>
             <a:endParaRPr lang="de-AT"/>
           </a:p>
@@ -2131,7 +2138,7 @@
           <a:p>
             <a:fld id="{68F78E07-1C9B-4126-A4D9-8EA56F38A46B}" type="datetimeFigureOut">
               <a:rPr lang="de-AT" smtClean="0"/>
-              <a:t>04.01.2015</a:t>
+              <a:t>09.01.2015</a:t>
             </a:fld>
             <a:endParaRPr lang="de-AT"/>
           </a:p>
@@ -2293,7 +2300,7 @@
           <a:p>
             <a:fld id="{68F78E07-1C9B-4126-A4D9-8EA56F38A46B}" type="datetimeFigureOut">
               <a:rPr lang="de-AT" smtClean="0"/>
-              <a:t>04.01.2015</a:t>
+              <a:t>09.01.2015</a:t>
             </a:fld>
             <a:endParaRPr lang="de-AT"/>
           </a:p>
@@ -2388,7 +2395,7 @@
           <a:p>
             <a:fld id="{68F78E07-1C9B-4126-A4D9-8EA56F38A46B}" type="datetimeFigureOut">
               <a:rPr lang="de-AT" smtClean="0"/>
-              <a:t>04.01.2015</a:t>
+              <a:t>09.01.2015</a:t>
             </a:fld>
             <a:endParaRPr lang="de-AT"/>
           </a:p>
@@ -2766,7 +2773,7 @@
           <a:p>
             <a:fld id="{68F78E07-1C9B-4126-A4D9-8EA56F38A46B}" type="datetimeFigureOut">
               <a:rPr lang="de-AT" smtClean="0"/>
-              <a:t>04.01.2015</a:t>
+              <a:t>09.01.2015</a:t>
             </a:fld>
             <a:endParaRPr lang="de-AT"/>
           </a:p>
@@ -3055,7 +3062,7 @@
           <a:p>
             <a:fld id="{68F78E07-1C9B-4126-A4D9-8EA56F38A46B}" type="datetimeFigureOut">
               <a:rPr lang="de-AT" smtClean="0"/>
-              <a:t>04.01.2015</a:t>
+              <a:t>09.01.2015</a:t>
             </a:fld>
             <a:endParaRPr lang="de-AT"/>
           </a:p>
@@ -3266,7 +3273,7 @@
           <a:p>
             <a:fld id="{68F78E07-1C9B-4126-A4D9-8EA56F38A46B}" type="datetimeFigureOut">
               <a:rPr lang="de-AT" smtClean="0"/>
-              <a:t>04.01.2015</a:t>
+              <a:t>09.01.2015</a:t>
             </a:fld>
             <a:endParaRPr lang="de-AT"/>
           </a:p>
@@ -3969,9 +3976,10 @@
           <a:lstStyle/>
           <a:p>
             <a:r>
-              <a:rPr lang="de-AT" dirty="0"/>
-              <a:t>pg dump</a:t>
-            </a:r>
+              <a:rPr lang="de-AT" dirty="0" smtClean="0"/>
+              <a:t>Postgres backups</a:t>
+            </a:r>
+            <a:endParaRPr lang="de-AT" dirty="0"/>
           </a:p>
         </p:txBody>
       </p:sp>
@@ -3996,60 +4004,27 @@
           <a:lstStyle/>
           <a:p>
             <a:r>
-              <a:rPr lang="de-AT" sz="2400" dirty="0"/>
-              <a:t>pg dump -U [user] [database name] -f </a:t>
-            </a:r>
-            <a:r>
               <a:rPr lang="de-AT" sz="2400" dirty="0" smtClean="0"/>
-              <a:t>dumpfilename.sql</a:t>
-            </a:r>
-          </a:p>
-          <a:p>
-            <a:r>
-              <a:rPr lang="de-AT" sz="2400" dirty="0"/>
-              <a:t>pg dumpall -U [user] -f </a:t>
-            </a:r>
+              <a:t>pg dump</a:t>
+            </a:r>
+          </a:p>
+          <a:p>
             <a:r>
               <a:rPr lang="de-AT" sz="2400" dirty="0" smtClean="0"/>
-              <a:t>dumpfilename.sql</a:t>
-            </a:r>
-          </a:p>
-          <a:p>
-            <a:r>
-              <a:rPr lang="de-AT" sz="2400" dirty="0"/>
-              <a:t>pg dump -U [user] -f dumpfilename.sql -t </a:t>
-            </a:r>
+              <a:t>Physische backups </a:t>
+            </a:r>
+            <a:endParaRPr lang="de-AT" sz="2400" dirty="0"/>
+          </a:p>
+          <a:p>
             <a:r>
               <a:rPr lang="de-AT" sz="2400" dirty="0" smtClean="0"/>
-              <a:t>mitarbeiter</a:t>
-            </a:r>
-          </a:p>
-          <a:p>
-            <a:r>
-              <a:rPr lang="de-AT" dirty="0"/>
-              <a:t>–data-only </a:t>
-            </a:r>
-            <a:endParaRPr lang="de-AT" dirty="0" smtClean="0"/>
-          </a:p>
-          <a:p>
-            <a:r>
-              <a:rPr lang="de-AT" dirty="0"/>
-              <a:t>–inserts </a:t>
-            </a:r>
-            <a:endParaRPr lang="de-AT" dirty="0" smtClean="0"/>
-          </a:p>
-          <a:p>
-            <a:r>
-              <a:rPr lang="de-AT" dirty="0"/>
-              <a:t> --clean </a:t>
-            </a:r>
-            <a:endParaRPr lang="de-AT" dirty="0" smtClean="0"/>
-          </a:p>
-          <a:p>
-            <a:r>
-              <a:rPr lang="de-AT" dirty="0"/>
-              <a:t> pg restore </a:t>
-            </a:r>
+              <a:t>Automatisierte Backups</a:t>
+            </a:r>
+          </a:p>
+          <a:p>
+            <a:pPr marL="0" indent="0">
+              <a:buNone/>
+            </a:pPr>
             <a:endParaRPr lang="de-AT" dirty="0" smtClean="0"/>
           </a:p>
           <a:p>
@@ -4060,7 +4035,7 @@
     </p:spTree>
     <p:extLst>
       <p:ext uri="{BB962C8B-B14F-4D97-AF65-F5344CB8AC3E}">
-        <p14:creationId xmlns:p14="http://schemas.microsoft.com/office/powerpoint/2010/main" val="2704617676"/>
+        <p14:creationId xmlns:p14="http://schemas.microsoft.com/office/powerpoint/2010/main" val="3233484455"/>
       </p:ext>
     </p:extLst>
   </p:cSld>
@@ -4111,9 +4086,266 @@
           <a:p>
             <a:r>
               <a:rPr lang="de-AT" dirty="0"/>
+              <a:t>pg dump</a:t>
+            </a:r>
+          </a:p>
+        </p:txBody>
+      </p:sp>
+      <p:sp>
+        <p:nvSpPr>
+          <p:cNvPr id="3" name="Content Placeholder 2"/>
+          <p:cNvSpPr>
+            <a:spLocks noGrp="1"/>
+          </p:cNvSpPr>
+          <p:nvPr>
+            <p:ph idx="1"/>
+          </p:nvPr>
+        </p:nvSpPr>
+        <p:spPr>
+          <a:xfrm>
+            <a:off x="581192" y="2139036"/>
+            <a:ext cx="11029615" cy="3678303"/>
+          </a:xfrm>
+        </p:spPr>
+        <p:txBody>
+          <a:bodyPr/>
+          <a:lstStyle/>
+          <a:p>
+            <a:r>
+              <a:rPr lang="de-AT" sz="2400" dirty="0"/>
+              <a:t>pg dump -U [user] [database name] -f </a:t>
+            </a:r>
+            <a:r>
+              <a:rPr lang="de-AT" sz="2400" dirty="0" smtClean="0"/>
+              <a:t>dumpfilename.sql</a:t>
+            </a:r>
+          </a:p>
+          <a:p>
+            <a:r>
+              <a:rPr lang="de-AT" sz="2400" dirty="0"/>
+              <a:t>pg dumpall -U [user] -f </a:t>
+            </a:r>
+            <a:r>
+              <a:rPr lang="de-AT" sz="2400" dirty="0" smtClean="0"/>
+              <a:t>dumpfilename.sql</a:t>
+            </a:r>
+          </a:p>
+          <a:p>
+            <a:r>
+              <a:rPr lang="de-AT" sz="2400" dirty="0"/>
+              <a:t>pg dump -U [user] -f dumpfilename.sql -t </a:t>
+            </a:r>
+            <a:r>
+              <a:rPr lang="de-AT" sz="2400" dirty="0" smtClean="0"/>
+              <a:t>mitarbeiter</a:t>
+            </a:r>
+          </a:p>
+          <a:p>
+            <a:r>
+              <a:rPr lang="de-AT" dirty="0"/>
+              <a:t>–data-only </a:t>
+            </a:r>
+            <a:endParaRPr lang="de-AT" dirty="0" smtClean="0"/>
+          </a:p>
+          <a:p>
+            <a:r>
+              <a:rPr lang="de-AT" dirty="0"/>
+              <a:t>–inserts </a:t>
+            </a:r>
+            <a:endParaRPr lang="de-AT" dirty="0" smtClean="0"/>
+          </a:p>
+          <a:p>
+            <a:r>
+              <a:rPr lang="de-AT" dirty="0" smtClean="0"/>
+              <a:t>--clean </a:t>
+            </a:r>
+          </a:p>
+          <a:p>
+            <a:endParaRPr lang="de-AT" dirty="0"/>
+          </a:p>
+        </p:txBody>
+      </p:sp>
+    </p:spTree>
+    <p:extLst>
+      <p:ext uri="{BB962C8B-B14F-4D97-AF65-F5344CB8AC3E}">
+        <p14:creationId xmlns:p14="http://schemas.microsoft.com/office/powerpoint/2010/main" val="2704617676"/>
+      </p:ext>
+    </p:extLst>
+  </p:cSld>
+  <p:clrMapOvr>
+    <a:masterClrMapping/>
+  </p:clrMapOvr>
+  <p:timing>
+    <p:tnLst>
+      <p:par>
+        <p:cTn id="1" dur="indefinite" restart="never" nodeType="tmRoot"/>
+      </p:par>
+    </p:tnLst>
+  </p:timing>
+</p:sld>
+</file>
+
+<file path=ppt/slides/slide12.xml><?xml version="1.0" encoding="utf-8"?>
+<p:sld xmlns:a="http://schemas.openxmlformats.org/drawingml/2006/main" xmlns:r="http://schemas.openxmlformats.org/officeDocument/2006/relationships" xmlns:p="http://schemas.openxmlformats.org/presentationml/2006/main">
+  <p:cSld>
+    <p:spTree>
+      <p:nvGrpSpPr>
+        <p:cNvPr id="1" name=""/>
+        <p:cNvGrpSpPr/>
+        <p:nvPr/>
+      </p:nvGrpSpPr>
+      <p:grpSpPr>
+        <a:xfrm>
+          <a:off x="0" y="0"/>
+          <a:ext cx="0" cy="0"/>
+          <a:chOff x="0" y="0"/>
+          <a:chExt cx="0" cy="0"/>
+        </a:xfrm>
+      </p:grpSpPr>
+      <p:sp>
+        <p:nvSpPr>
+          <p:cNvPr id="2" name="Title 1"/>
+          <p:cNvSpPr>
+            <a:spLocks noGrp="1"/>
+          </p:cNvSpPr>
+          <p:nvPr>
+            <p:ph type="title"/>
+          </p:nvPr>
+        </p:nvSpPr>
+        <p:spPr/>
+        <p:txBody>
+          <a:bodyPr/>
+          <a:lstStyle/>
+          <a:p>
+            <a:r>
+              <a:rPr lang="de-AT" smtClean="0"/>
+              <a:t>postgres </a:t>
+            </a:r>
+            <a:r>
+              <a:rPr lang="de-AT" dirty="0" smtClean="0"/>
+              <a:t>RESTORE</a:t>
+            </a:r>
+            <a:endParaRPr lang="de-AT" dirty="0"/>
+          </a:p>
+        </p:txBody>
+      </p:sp>
+      <p:sp>
+        <p:nvSpPr>
+          <p:cNvPr id="3" name="Content Placeholder 2"/>
+          <p:cNvSpPr>
+            <a:spLocks noGrp="1"/>
+          </p:cNvSpPr>
+          <p:nvPr>
+            <p:ph idx="1"/>
+          </p:nvPr>
+        </p:nvSpPr>
+        <p:spPr>
+          <a:xfrm>
+            <a:off x="581192" y="2139036"/>
+            <a:ext cx="11029615" cy="3678303"/>
+          </a:xfrm>
+        </p:spPr>
+        <p:txBody>
+          <a:bodyPr>
+            <a:normAutofit/>
+          </a:bodyPr>
+          <a:lstStyle/>
+          <a:p>
+            <a:r>
+              <a:rPr lang="en-US" sz="2400" dirty="0" smtClean="0"/>
+              <a:t>In </a:t>
+            </a:r>
+            <a:r>
+              <a:rPr lang="en-US" sz="2400" dirty="0" err="1" smtClean="0"/>
+              <a:t>Datenbank</a:t>
+            </a:r>
+            <a:r>
+              <a:rPr lang="en-US" sz="2400" dirty="0" smtClean="0"/>
+              <a:t> </a:t>
+            </a:r>
+            <a:r>
+              <a:rPr lang="en-US" sz="2400" dirty="0" err="1" smtClean="0"/>
+              <a:t>einloggen</a:t>
+            </a:r>
+            <a:endParaRPr lang="en-US" sz="2400" dirty="0" smtClean="0"/>
+          </a:p>
+          <a:p>
+            <a:r>
+              <a:rPr lang="en-US" sz="2400" dirty="0" smtClean="0"/>
+              <a:t>\</a:t>
+            </a:r>
+            <a:r>
+              <a:rPr lang="en-US" sz="2400" dirty="0" err="1" smtClean="0"/>
+              <a:t>i</a:t>
+            </a:r>
+            <a:r>
+              <a:rPr lang="en-US" sz="2400" dirty="0" smtClean="0"/>
+              <a:t> </a:t>
+            </a:r>
+            <a:r>
+              <a:rPr lang="en-US" sz="2400" dirty="0" err="1" smtClean="0"/>
+              <a:t>filename.sql</a:t>
+            </a:r>
+            <a:endParaRPr lang="en-US" sz="2400" dirty="0" smtClean="0"/>
+          </a:p>
+        </p:txBody>
+      </p:sp>
+    </p:spTree>
+    <p:extLst>
+      <p:ext uri="{BB962C8B-B14F-4D97-AF65-F5344CB8AC3E}">
+        <p14:creationId xmlns:p14="http://schemas.microsoft.com/office/powerpoint/2010/main" val="535145965"/>
+      </p:ext>
+    </p:extLst>
+  </p:cSld>
+  <p:clrMapOvr>
+    <a:masterClrMapping/>
+  </p:clrMapOvr>
+  <p:timing>
+    <p:tnLst>
+      <p:par>
+        <p:cTn id="1" dur="indefinite" restart="never" nodeType="tmRoot"/>
+      </p:par>
+    </p:tnLst>
+  </p:timing>
+</p:sld>
+</file>
+
+<file path=ppt/slides/slide13.xml><?xml version="1.0" encoding="utf-8"?>
+<p:sld xmlns:a="http://schemas.openxmlformats.org/drawingml/2006/main" xmlns:r="http://schemas.openxmlformats.org/officeDocument/2006/relationships" xmlns:p="http://schemas.openxmlformats.org/presentationml/2006/main">
+  <p:cSld>
+    <p:spTree>
+      <p:nvGrpSpPr>
+        <p:cNvPr id="1" name=""/>
+        <p:cNvGrpSpPr/>
+        <p:nvPr/>
+      </p:nvGrpSpPr>
+      <p:grpSpPr>
+        <a:xfrm>
+          <a:off x="0" y="0"/>
+          <a:ext cx="0" cy="0"/>
+          <a:chOff x="0" y="0"/>
+          <a:chExt cx="0" cy="0"/>
+        </a:xfrm>
+      </p:grpSpPr>
+      <p:sp>
+        <p:nvSpPr>
+          <p:cNvPr id="2" name="Title 1"/>
+          <p:cNvSpPr>
+            <a:spLocks noGrp="1"/>
+          </p:cNvSpPr>
+          <p:nvPr>
+            <p:ph type="title"/>
+          </p:nvPr>
+        </p:nvSpPr>
+        <p:spPr/>
+        <p:txBody>
+          <a:bodyPr/>
+          <a:lstStyle/>
+          <a:p>
+            <a:r>
+              <a:rPr lang="de-AT" dirty="0"/>
               <a:t>Physische backups </a:t>
             </a:r>
-            <a:endParaRPr lang="de-AT" dirty="0"/>
           </a:p>
         </p:txBody>
       </p:sp>
@@ -4177,7 +4409,7 @@
 </p:sld>
 </file>
 
-<file path=ppt/slides/slide12.xml><?xml version="1.0" encoding="utf-8"?>
+<file path=ppt/slides/slide14.xml><?xml version="1.0" encoding="utf-8"?>
 <p:sld xmlns:a="http://schemas.openxmlformats.org/drawingml/2006/main" xmlns:r="http://schemas.openxmlformats.org/officeDocument/2006/relationships" xmlns:p="http://schemas.openxmlformats.org/presentationml/2006/main">
   <p:cSld>
     <p:spTree>
@@ -4682,30 +4914,6 @@
               <a:rPr lang="de-AT" sz="2400" dirty="0" smtClean="0"/>
               <a:t>dumpfilename.sql</a:t>
             </a:r>
-          </a:p>
-          <a:p>
-            <a:r>
-              <a:rPr lang="de-AT" sz="2400" dirty="0"/>
-              <a:t>mysql -u root -p </a:t>
-            </a:r>
-            <a:r>
-              <a:rPr lang="de-AT" sz="2400" dirty="0" smtClean="0"/>
-              <a:t>[dbname</a:t>
-            </a:r>
-            <a:r>
-              <a:rPr lang="de-AT" sz="2400" dirty="0"/>
-              <a:t>] &lt;</a:t>
-            </a:r>
-            <a:r>
-              <a:rPr lang="de-AT" sz="2400" dirty="0" smtClean="0"/>
-              <a:t>dumpfilename.sql</a:t>
-            </a:r>
-            <a:endParaRPr lang="de-AT" sz="2400" dirty="0"/>
-          </a:p>
-          <a:p>
-            <a:pPr marL="0" indent="0">
-              <a:buNone/>
-            </a:pPr>
             <a:endParaRPr lang="de-AT" dirty="0" smtClean="0"/>
           </a:p>
           <a:p>
@@ -4766,65 +4974,61 @@
           <a:lstStyle/>
           <a:p>
             <a:r>
-              <a:rPr lang="de-AT" dirty="0"/>
-              <a:t>Mysqlbackup</a:t>
-            </a:r>
-          </a:p>
-        </p:txBody>
-      </p:sp>
-      <p:pic>
-        <p:nvPicPr>
-          <p:cNvPr id="4" name="Picture 3"/>
-          <p:cNvPicPr>
-            <a:picLocks noChangeAspect="1"/>
-          </p:cNvPicPr>
-          <p:nvPr/>
-        </p:nvPicPr>
-        <p:blipFill>
-          <a:blip r:embed="rId2">
-            <a:extLst>
-              <a:ext uri="{28A0092B-C50C-407E-A947-70E740481C1C}">
-                <a14:useLocalDpi xmlns:a14="http://schemas.microsoft.com/office/drawing/2010/main" val="0"/>
-              </a:ext>
-            </a:extLst>
-          </a:blip>
-          <a:stretch>
-            <a:fillRect/>
-          </a:stretch>
-        </p:blipFill>
+              <a:rPr lang="de-AT" dirty="0" smtClean="0"/>
+              <a:t>Mysql RESTORE</a:t>
+            </a:r>
+            <a:endParaRPr lang="de-AT" dirty="0"/>
+          </a:p>
+        </p:txBody>
+      </p:sp>
+      <p:sp>
+        <p:nvSpPr>
+          <p:cNvPr id="3" name="Content Placeholder 2"/>
+          <p:cNvSpPr>
+            <a:spLocks noGrp="1"/>
+          </p:cNvSpPr>
+          <p:nvPr>
+            <p:ph idx="1"/>
+          </p:nvPr>
+        </p:nvSpPr>
         <p:spPr>
           <a:xfrm>
-            <a:off x="5964073" y="32481"/>
-            <a:ext cx="5886734" cy="6825519"/>
+            <a:off x="581192" y="2139036"/>
+            <a:ext cx="11029615" cy="3678303"/>
           </a:xfrm>
-          <a:prstGeom prst="rect">
-            <a:avLst/>
-          </a:prstGeom>
         </p:spPr>
-      </p:pic>
-      <p:sp>
-        <p:nvSpPr>
-          <p:cNvPr id="5" name="Content Placeholder 4"/>
-          <p:cNvSpPr>
-            <a:spLocks noGrp="1"/>
-          </p:cNvSpPr>
-          <p:nvPr>
-            <p:ph idx="1"/>
-          </p:nvPr>
-        </p:nvSpPr>
-        <p:spPr/>
-        <p:txBody>
-          <a:bodyPr/>
-          <a:lstStyle/>
-          <a:p>
-            <a:endParaRPr lang="de-AT" dirty="0"/>
+        <p:txBody>
+          <a:bodyPr/>
+          <a:lstStyle/>
+          <a:p>
+            <a:r>
+              <a:rPr lang="en-US" sz="2400" dirty="0" err="1" smtClean="0"/>
+              <a:t>mysql</a:t>
+            </a:r>
+            <a:r>
+              <a:rPr lang="en-US" sz="2400" dirty="0" smtClean="0"/>
+              <a:t> </a:t>
+            </a:r>
+            <a:r>
+              <a:rPr lang="en-US" sz="2400" dirty="0"/>
+              <a:t>-u root -p [database name] </a:t>
+            </a:r>
+            <a:r>
+              <a:rPr lang="en-US" sz="2400" dirty="0" smtClean="0"/>
+              <a:t>&lt; </a:t>
+            </a:r>
+            <a:r>
+              <a:rPr lang="en-US" sz="2400" dirty="0" err="1" smtClean="0"/>
+              <a:t>dumpfilename.sql</a:t>
+            </a:r>
+            <a:endParaRPr lang="en-US" sz="2400" dirty="0" smtClean="0"/>
           </a:p>
         </p:txBody>
       </p:sp>
     </p:spTree>
     <p:extLst>
       <p:ext uri="{BB962C8B-B14F-4D97-AF65-F5344CB8AC3E}">
-        <p14:creationId xmlns:p14="http://schemas.microsoft.com/office/powerpoint/2010/main" val="1988507631"/>
+        <p14:creationId xmlns:p14="http://schemas.microsoft.com/office/powerpoint/2010/main" val="676299991"/>
       </p:ext>
     </p:extLst>
   </p:cSld>
@@ -4874,78 +5078,56 @@
           <a:lstStyle/>
           <a:p>
             <a:r>
-              <a:rPr lang="en-US" dirty="0"/>
-              <a:t>Backup </a:t>
-            </a:r>
-            <a:r>
-              <a:rPr lang="en-US" dirty="0" err="1"/>
-              <a:t>mittels</a:t>
-            </a:r>
-            <a:r>
-              <a:rPr lang="en-US" dirty="0"/>
-              <a:t> </a:t>
-            </a:r>
-            <a:r>
-              <a:rPr lang="en-US" dirty="0" err="1" smtClean="0"/>
-              <a:t>cp</a:t>
-            </a:r>
-            <a:r>
-              <a:rPr lang="en-US" dirty="0" smtClean="0"/>
-              <a:t>-command</a:t>
-            </a:r>
-            <a:endParaRPr lang="de-AT" dirty="0"/>
-          </a:p>
-        </p:txBody>
-      </p:sp>
-      <p:sp>
-        <p:nvSpPr>
-          <p:cNvPr id="3" name="Content Placeholder 2"/>
-          <p:cNvSpPr>
-            <a:spLocks noGrp="1"/>
-          </p:cNvSpPr>
-          <p:nvPr>
-            <p:ph idx="1"/>
-          </p:nvPr>
-        </p:nvSpPr>
+              <a:rPr lang="de-AT" dirty="0"/>
+              <a:t>Mysqlbackup</a:t>
+            </a:r>
+          </a:p>
+        </p:txBody>
+      </p:sp>
+      <p:pic>
+        <p:nvPicPr>
+          <p:cNvPr id="4" name="Picture 3"/>
+          <p:cNvPicPr>
+            <a:picLocks noChangeAspect="1"/>
+          </p:cNvPicPr>
+          <p:nvPr/>
+        </p:nvPicPr>
+        <p:blipFill>
+          <a:blip r:embed="rId2">
+            <a:extLst>
+              <a:ext uri="{28A0092B-C50C-407E-A947-70E740481C1C}">
+                <a14:useLocalDpi xmlns:a14="http://schemas.microsoft.com/office/drawing/2010/main" val="0"/>
+              </a:ext>
+            </a:extLst>
+          </a:blip>
+          <a:stretch>
+            <a:fillRect/>
+          </a:stretch>
+        </p:blipFill>
         <p:spPr>
           <a:xfrm>
-            <a:off x="581192" y="1934837"/>
-            <a:ext cx="11029615" cy="3678303"/>
+            <a:off x="5964073" y="32481"/>
+            <a:ext cx="5886734" cy="6825519"/>
           </a:xfrm>
+          <a:prstGeom prst="rect">
+            <a:avLst/>
+          </a:prstGeom>
         </p:spPr>
-        <p:txBody>
-          <a:bodyPr/>
-          <a:lstStyle/>
-          <a:p>
-            <a:r>
-              <a:rPr lang="de-AT" sz="2400" dirty="0" smtClean="0"/>
-              <a:t>SELECT </a:t>
-            </a:r>
-            <a:r>
-              <a:rPr lang="de-AT" sz="2400" dirty="0"/>
-              <a:t>@@datadir </a:t>
-            </a:r>
-            <a:endParaRPr lang="de-AT" sz="2400" dirty="0" smtClean="0"/>
-          </a:p>
-          <a:p>
-            <a:r>
-              <a:rPr lang="de-AT" sz="2400" dirty="0" smtClean="0"/>
-              <a:t>Normalerweise: var/etc/mysql </a:t>
-            </a:r>
-            <a:endParaRPr lang="de-AT" sz="2400" dirty="0"/>
-          </a:p>
-          <a:p>
-            <a:r>
-              <a:rPr lang="de-AT" sz="2400" dirty="0" smtClean="0"/>
-              <a:t>Funktioniert mit MyISAM, nicht mit InnoDB</a:t>
-            </a:r>
-          </a:p>
-          <a:p>
-            <a:pPr marL="0" indent="0">
-              <a:buNone/>
-            </a:pPr>
-            <a:endParaRPr lang="de-AT" dirty="0" smtClean="0"/>
-          </a:p>
+      </p:pic>
+      <p:sp>
+        <p:nvSpPr>
+          <p:cNvPr id="5" name="Content Placeholder 4"/>
+          <p:cNvSpPr>
+            <a:spLocks noGrp="1"/>
+          </p:cNvSpPr>
+          <p:nvPr>
+            <p:ph idx="1"/>
+          </p:nvPr>
+        </p:nvSpPr>
+        <p:spPr/>
+        <p:txBody>
+          <a:bodyPr/>
+          <a:lstStyle/>
           <a:p>
             <a:endParaRPr lang="de-AT" dirty="0"/>
           </a:p>
@@ -4954,7 +5136,7 @@
     </p:spTree>
     <p:extLst>
       <p:ext uri="{BB962C8B-B14F-4D97-AF65-F5344CB8AC3E}">
-        <p14:creationId xmlns:p14="http://schemas.microsoft.com/office/powerpoint/2010/main" val="3459084612"/>
+        <p14:creationId xmlns:p14="http://schemas.microsoft.com/office/powerpoint/2010/main" val="1988507631"/>
       </p:ext>
     </p:extLst>
   </p:cSld>
@@ -5004,9 +5186,26 @@
           <a:lstStyle/>
           <a:p>
             <a:r>
-              <a:rPr lang="de-AT" dirty="0"/>
-              <a:t>Mysqlhotcopy</a:t>
-            </a:r>
+              <a:rPr lang="en-US" dirty="0"/>
+              <a:t>Backup </a:t>
+            </a:r>
+            <a:r>
+              <a:rPr lang="en-US" dirty="0" err="1"/>
+              <a:t>mittels</a:t>
+            </a:r>
+            <a:r>
+              <a:rPr lang="en-US" dirty="0"/>
+              <a:t> </a:t>
+            </a:r>
+            <a:r>
+              <a:rPr lang="en-US" dirty="0" err="1" smtClean="0"/>
+              <a:t>cp</a:t>
+            </a:r>
+            <a:r>
+              <a:rPr lang="en-US" dirty="0" smtClean="0"/>
+              <a:t>-command</a:t>
+            </a:r>
+            <a:endParaRPr lang="de-AT" dirty="0"/>
           </a:p>
         </p:txBody>
       </p:sp>
@@ -5020,16 +5219,38 @@
             <p:ph idx="1"/>
           </p:nvPr>
         </p:nvSpPr>
-        <p:spPr/>
-        <p:txBody>
-          <a:bodyPr/>
-          <a:lstStyle/>
-          <a:p>
+        <p:spPr>
+          <a:xfrm>
+            <a:off x="581192" y="1934837"/>
+            <a:ext cx="11029615" cy="3678303"/>
+          </a:xfrm>
+        </p:spPr>
+        <p:txBody>
+          <a:bodyPr/>
+          <a:lstStyle/>
+          <a:p>
+            <a:r>
+              <a:rPr lang="de-AT" sz="2400" dirty="0" smtClean="0"/>
+              <a:t>SELECT </a:t>
+            </a:r>
             <a:r>
               <a:rPr lang="de-AT" sz="2400" dirty="0"/>
-              <a:t>sudo /usr/bin/mysqlhotcopy -u root -p secret_password insy1 /home/hsiegel/Desktop --allowold --keepold </a:t>
+              <a:t>@@datadir </a:t>
             </a:r>
             <a:endParaRPr lang="de-AT" sz="2400" dirty="0" smtClean="0"/>
+          </a:p>
+          <a:p>
+            <a:r>
+              <a:rPr lang="de-AT" sz="2400" dirty="0" smtClean="0"/>
+              <a:t>Normalerweise: var/etc/mysql </a:t>
+            </a:r>
+            <a:endParaRPr lang="de-AT" sz="2400" dirty="0"/>
+          </a:p>
+          <a:p>
+            <a:r>
+              <a:rPr lang="de-AT" sz="2400" dirty="0" smtClean="0"/>
+              <a:t>Funktioniert mit MyISAM, nicht mit InnoDB</a:t>
+            </a:r>
           </a:p>
           <a:p>
             <a:pPr marL="0" indent="0">
@@ -5045,7 +5266,7 @@
     </p:spTree>
     <p:extLst>
       <p:ext uri="{BB962C8B-B14F-4D97-AF65-F5344CB8AC3E}">
-        <p14:creationId xmlns:p14="http://schemas.microsoft.com/office/powerpoint/2010/main" val="3899546411"/>
+        <p14:creationId xmlns:p14="http://schemas.microsoft.com/office/powerpoint/2010/main" val="3459084612"/>
       </p:ext>
     </p:extLst>
   </p:cSld>
@@ -5096,12 +5317,8 @@
           <a:p>
             <a:r>
               <a:rPr lang="de-AT" dirty="0"/>
-              <a:t>Automatisierte Backups</a:t>
-            </a:r>
-            <a:br>
-              <a:rPr lang="de-AT" dirty="0"/>
-            </a:br>
-            <a:endParaRPr lang="de-AT" dirty="0"/>
+              <a:t>Mysqlhotcopy</a:t>
+            </a:r>
           </a:p>
         </p:txBody>
       </p:sp>
@@ -5122,24 +5339,7 @@
           <a:p>
             <a:r>
               <a:rPr lang="de-AT" sz="2400" dirty="0"/>
-              <a:t>sudo apt-get install automysqlbackup </a:t>
-            </a:r>
-            <a:endParaRPr lang="de-AT" sz="2400" dirty="0" smtClean="0"/>
-          </a:p>
-          <a:p>
-            <a:r>
-              <a:rPr lang="de-AT" sz="2400" dirty="0" smtClean="0"/>
-              <a:t>sudo automysqlbackup</a:t>
-            </a:r>
-          </a:p>
-          <a:p>
-            <a:r>
-              <a:rPr lang="de-AT" sz="2400" dirty="0" smtClean="0"/>
-              <a:t>/</a:t>
-            </a:r>
-            <a:r>
-              <a:rPr lang="de-AT" sz="2400" dirty="0"/>
-              <a:t>var/lib/automysqlbackup </a:t>
+              <a:t>sudo /usr/bin/mysqlhotcopy -u root -p secret_password insy1 /home/hsiegel/Desktop --allowold --keepold </a:t>
             </a:r>
             <a:endParaRPr lang="de-AT" sz="2400" dirty="0" smtClean="0"/>
           </a:p>
@@ -5157,7 +5357,7 @@
     </p:spTree>
     <p:extLst>
       <p:ext uri="{BB962C8B-B14F-4D97-AF65-F5344CB8AC3E}">
-        <p14:creationId xmlns:p14="http://schemas.microsoft.com/office/powerpoint/2010/main" val="1272523398"/>
+        <p14:creationId xmlns:p14="http://schemas.microsoft.com/office/powerpoint/2010/main" val="3899546411"/>
       </p:ext>
     </p:extLst>
   </p:cSld>
@@ -5207,9 +5407,12 @@
           <a:lstStyle/>
           <a:p>
             <a:r>
-              <a:rPr lang="de-AT" dirty="0" smtClean="0"/>
-              <a:t>Postgres backups</a:t>
-            </a:r>
+              <a:rPr lang="de-AT" dirty="0"/>
+              <a:t>Automatisierte Backups</a:t>
+            </a:r>
+            <a:br>
+              <a:rPr lang="de-AT" dirty="0"/>
+            </a:br>
             <a:endParaRPr lang="de-AT" dirty="0"/>
           </a:p>
         </p:txBody>
@@ -5224,33 +5427,33 @@
             <p:ph idx="1"/>
           </p:nvPr>
         </p:nvSpPr>
-        <p:spPr>
-          <a:xfrm>
-            <a:off x="581192" y="1715956"/>
-            <a:ext cx="11029615" cy="3678303"/>
-          </a:xfrm>
-        </p:spPr>
-        <p:txBody>
-          <a:bodyPr/>
-          <a:lstStyle/>
+        <p:spPr/>
+        <p:txBody>
+          <a:bodyPr/>
+          <a:lstStyle/>
+          <a:p>
+            <a:r>
+              <a:rPr lang="de-AT" sz="2400" dirty="0"/>
+              <a:t>sudo apt-get install automysqlbackup </a:t>
+            </a:r>
+            <a:endParaRPr lang="de-AT" sz="2400" dirty="0" smtClean="0"/>
+          </a:p>
           <a:p>
             <a:r>
               <a:rPr lang="de-AT" sz="2400" dirty="0" smtClean="0"/>
-              <a:t>pg dump</a:t>
+              <a:t>sudo automysqlbackup</a:t>
             </a:r>
           </a:p>
           <a:p>
             <a:r>
               <a:rPr lang="de-AT" sz="2400" dirty="0" smtClean="0"/>
-              <a:t>Physische backups </a:t>
-            </a:r>
-            <a:endParaRPr lang="de-AT" sz="2400" dirty="0"/>
-          </a:p>
-          <a:p>
-            <a:r>
-              <a:rPr lang="de-AT" sz="2400" dirty="0" smtClean="0"/>
-              <a:t>Automatisierte Backups</a:t>
-            </a:r>
+              <a:t>/</a:t>
+            </a:r>
+            <a:r>
+              <a:rPr lang="de-AT" sz="2400" dirty="0"/>
+              <a:t>var/lib/automysqlbackup </a:t>
+            </a:r>
+            <a:endParaRPr lang="de-AT" sz="2400" dirty="0" smtClean="0"/>
           </a:p>
           <a:p>
             <a:pPr marL="0" indent="0">
@@ -5266,7 +5469,7 @@
     </p:spTree>
     <p:extLst>
       <p:ext uri="{BB962C8B-B14F-4D97-AF65-F5344CB8AC3E}">
-        <p14:creationId xmlns:p14="http://schemas.microsoft.com/office/powerpoint/2010/main" val="3233484455"/>
+        <p14:creationId xmlns:p14="http://schemas.microsoft.com/office/powerpoint/2010/main" val="1272523398"/>
       </p:ext>
     </p:extLst>
   </p:cSld>
